--- a/Debugging Arduino Projects.pptx
+++ b/Debugging Arduino Projects.pptx
@@ -4799,7 +4799,7 @@
         <p:spPr/>
         <p:txBody>
           <a:bodyPr>
-            <a:normAutofit lnSpcReduction="10000"/>
+            <a:normAutofit fontScale="92500" lnSpcReduction="10000"/>
           </a:bodyPr>
           <a:lstStyle/>
           <a:p>
@@ -4829,20 +4829,15 @@
             <a:pPr lvl="1"/>
             <a:r>
               <a:rPr lang="en-AU" dirty="0"/>
+              <a:t>Run to Cursor</a:t>
+            </a:r>
+          </a:p>
+          <a:p>
+            <a:pPr lvl="1"/>
+            <a:r>
+              <a:rPr lang="en-AU" dirty="0"/>
               <a:t>Local Watch</a:t>
             </a:r>
-          </a:p>
-          <a:p>
-            <a:pPr lvl="1"/>
-            <a:r>
-              <a:rPr lang="en-AU" dirty="0"/>
-              <a:t>Printing </a:t>
-            </a:r>
-            <a:r>
-              <a:rPr lang="en-AU" dirty="0" err="1"/>
-              <a:t>Globals</a:t>
-            </a:r>
-            <a:endParaRPr lang="en-AU" dirty="0"/>
           </a:p>
           <a:p>
             <a:pPr lvl="1"/>
@@ -4852,6 +4847,20 @@
             </a:r>
           </a:p>
           <a:p>
+            <a:pPr lvl="1"/>
+            <a:r>
+              <a:rPr lang="en-AU" dirty="0"/>
+              <a:t>Add Watch</a:t>
+            </a:r>
+          </a:p>
+          <a:p>
+            <a:pPr lvl="1"/>
+            <a:r>
+              <a:rPr lang="en-AU" dirty="0"/>
+              <a:t>Debug Evaluate</a:t>
+            </a:r>
+          </a:p>
+          <a:p>
             <a:endParaRPr lang="en-AU" dirty="0"/>
           </a:p>
           <a:p>
@@ -4863,19 +4872,24 @@
           <a:p>
             <a:pPr lvl="1"/>
             <a:r>
-              <a:rPr lang="en-AU" dirty="0">
+              <a:rPr lang="en-AU" sz="2200" dirty="0">
                 <a:hlinkClick r:id="rId3"/>
               </a:rPr>
               <a:t>http://www.instructables.com/id/Arduino-IDE-16x-compiler-optimisations-faster-code/</a:t>
             </a:r>
+            <a:endParaRPr lang="en-AU" sz="2200" dirty="0"/>
+          </a:p>
+          <a:p>
+            <a:pPr lvl="1"/>
+            <a:r>
+              <a:rPr lang="en-AU" dirty="0"/>
+              <a:t>#pragma GCC optimize </a:t>
+            </a:r>
+            <a:r>
+              <a:rPr lang="en-AU"/>
+              <a:t>("-O0") </a:t>
+            </a:r>
             <a:endParaRPr lang="en-AU" dirty="0"/>
-          </a:p>
-          <a:p>
-            <a:pPr lvl="1"/>
-            <a:r>
-              <a:rPr lang="en-AU" dirty="0"/>
-              <a:t>#pragma GCC optimize ("-O2") </a:t>
-            </a:r>
           </a:p>
         </p:txBody>
       </p:sp>
